--- a/IDL/Ch01/IDL_Chapter_1.pptx
+++ b/IDL/Ch01/IDL_Chapter_1.pptx
@@ -118,6 +118,11 @@
       </a:defRPr>
     </a:lvl9pPr>
   </p:defaultTextStyle>
+  <p:extLst>
+    <p:ext uri="{EFAFB233-063F-42B5-8137-9DF3F51BA10A}">
+      <p15:sldGuideLst xmlns:p15="http://schemas.microsoft.com/office/powerpoint/2012/main"/>
+    </p:ext>
+  </p:extLst>
 </p:presentation>
 </file>
 
@@ -268,7 +273,7 @@
           <a:p>
             <a:fld id="{88BAB27A-6D2F-4574-B9CC-A360C69E786E}" type="datetimeFigureOut">
               <a:rPr lang="ko-KR" altLang="en-US" smtClean="0"/>
-              <a:t>2021-03-09</a:t>
+              <a:t>2021-03-12</a:t>
             </a:fld>
             <a:endParaRPr lang="ko-KR" altLang="en-US"/>
           </a:p>
@@ -466,7 +471,7 @@
           <a:p>
             <a:fld id="{88BAB27A-6D2F-4574-B9CC-A360C69E786E}" type="datetimeFigureOut">
               <a:rPr lang="ko-KR" altLang="en-US" smtClean="0"/>
-              <a:t>2021-03-09</a:t>
+              <a:t>2021-03-12</a:t>
             </a:fld>
             <a:endParaRPr lang="ko-KR" altLang="en-US"/>
           </a:p>
@@ -674,7 +679,7 @@
           <a:p>
             <a:fld id="{88BAB27A-6D2F-4574-B9CC-A360C69E786E}" type="datetimeFigureOut">
               <a:rPr lang="ko-KR" altLang="en-US" smtClean="0"/>
-              <a:t>2021-03-09</a:t>
+              <a:t>2021-03-12</a:t>
             </a:fld>
             <a:endParaRPr lang="ko-KR" altLang="en-US"/>
           </a:p>
@@ -872,7 +877,7 @@
           <a:p>
             <a:fld id="{88BAB27A-6D2F-4574-B9CC-A360C69E786E}" type="datetimeFigureOut">
               <a:rPr lang="ko-KR" altLang="en-US" smtClean="0"/>
-              <a:t>2021-03-09</a:t>
+              <a:t>2021-03-12</a:t>
             </a:fld>
             <a:endParaRPr lang="ko-KR" altLang="en-US"/>
           </a:p>
@@ -1147,7 +1152,7 @@
           <a:p>
             <a:fld id="{88BAB27A-6D2F-4574-B9CC-A360C69E786E}" type="datetimeFigureOut">
               <a:rPr lang="ko-KR" altLang="en-US" smtClean="0"/>
-              <a:t>2021-03-09</a:t>
+              <a:t>2021-03-12</a:t>
             </a:fld>
             <a:endParaRPr lang="ko-KR" altLang="en-US"/>
           </a:p>
@@ -1412,7 +1417,7 @@
           <a:p>
             <a:fld id="{88BAB27A-6D2F-4574-B9CC-A360C69E786E}" type="datetimeFigureOut">
               <a:rPr lang="ko-KR" altLang="en-US" smtClean="0"/>
-              <a:t>2021-03-09</a:t>
+              <a:t>2021-03-12</a:t>
             </a:fld>
             <a:endParaRPr lang="ko-KR" altLang="en-US"/>
           </a:p>
@@ -1824,7 +1829,7 @@
           <a:p>
             <a:fld id="{88BAB27A-6D2F-4574-B9CC-A360C69E786E}" type="datetimeFigureOut">
               <a:rPr lang="ko-KR" altLang="en-US" smtClean="0"/>
-              <a:t>2021-03-09</a:t>
+              <a:t>2021-03-12</a:t>
             </a:fld>
             <a:endParaRPr lang="ko-KR" altLang="en-US"/>
           </a:p>
@@ -1965,7 +1970,7 @@
           <a:p>
             <a:fld id="{88BAB27A-6D2F-4574-B9CC-A360C69E786E}" type="datetimeFigureOut">
               <a:rPr lang="ko-KR" altLang="en-US" smtClean="0"/>
-              <a:t>2021-03-09</a:t>
+              <a:t>2021-03-12</a:t>
             </a:fld>
             <a:endParaRPr lang="ko-KR" altLang="en-US"/>
           </a:p>
@@ -2078,7 +2083,7 @@
           <a:p>
             <a:fld id="{88BAB27A-6D2F-4574-B9CC-A360C69E786E}" type="datetimeFigureOut">
               <a:rPr lang="ko-KR" altLang="en-US" smtClean="0"/>
-              <a:t>2021-03-09</a:t>
+              <a:t>2021-03-12</a:t>
             </a:fld>
             <a:endParaRPr lang="ko-KR" altLang="en-US"/>
           </a:p>
@@ -2389,7 +2394,7 @@
           <a:p>
             <a:fld id="{88BAB27A-6D2F-4574-B9CC-A360C69E786E}" type="datetimeFigureOut">
               <a:rPr lang="ko-KR" altLang="en-US" smtClean="0"/>
-              <a:t>2021-03-09</a:t>
+              <a:t>2021-03-12</a:t>
             </a:fld>
             <a:endParaRPr lang="ko-KR" altLang="en-US"/>
           </a:p>
@@ -2677,7 +2682,7 @@
           <a:p>
             <a:fld id="{88BAB27A-6D2F-4574-B9CC-A360C69E786E}" type="datetimeFigureOut">
               <a:rPr lang="ko-KR" altLang="en-US" smtClean="0"/>
-              <a:t>2021-03-09</a:t>
+              <a:t>2021-03-12</a:t>
             </a:fld>
             <a:endParaRPr lang="ko-KR" altLang="en-US"/>
           </a:p>
@@ -2918,7 +2923,7 @@
           <a:p>
             <a:fld id="{88BAB27A-6D2F-4574-B9CC-A360C69E786E}" type="datetimeFigureOut">
               <a:rPr lang="ko-KR" altLang="en-US" smtClean="0"/>
-              <a:t>2021-03-09</a:t>
+              <a:t>2021-03-12</a:t>
             </a:fld>
             <a:endParaRPr lang="ko-KR" altLang="en-US"/>
           </a:p>
@@ -3464,8 +3469,8 @@
           </a:p>
         </p:txBody>
       </p:sp>
-      <mc:AlternateContent xmlns:mc="http://schemas.openxmlformats.org/markup-compatibility/2006">
-        <mc:Choice xmlns:a14="http://schemas.microsoft.com/office/drawing/2010/main" Requires="a14">
+      <mc:AlternateContent xmlns:mc="http://schemas.openxmlformats.org/markup-compatibility/2006" xmlns:a14="http://schemas.microsoft.com/office/drawing/2010/main">
+        <mc:Choice Requires="a14">
           <p:sp>
             <p:nvSpPr>
               <p:cNvPr id="3" name="내용 개체 틀 2">
@@ -3887,7 +3892,7 @@
                     <m:sSub>
                       <m:sSubPr>
                         <m:ctrlPr>
-                          <a:rPr lang="en-US" altLang="ko-KR" b="1" smtClean="0">
+                          <a:rPr lang="en-US" altLang="ko-KR" b="1" i="1" smtClean="0">
                             <a:latin typeface="Cambria Math" panose="02040503050406030204" pitchFamily="18" charset="0"/>
                           </a:rPr>
                         </m:ctrlPr>
@@ -4001,7 +4006,7 @@
             </p:txBody>
           </p:sp>
         </mc:Choice>
-        <mc:Fallback>
+        <mc:Fallback xmlns="">
           <p:sp>
             <p:nvSpPr>
               <p:cNvPr id="3" name="내용 개체 틀 2">
@@ -4096,8 +4101,8 @@
           </a:p>
         </p:txBody>
       </p:sp>
-      <mc:AlternateContent xmlns:mc="http://schemas.openxmlformats.org/markup-compatibility/2006">
-        <mc:Choice xmlns:a14="http://schemas.microsoft.com/office/drawing/2010/main" Requires="a14">
+      <mc:AlternateContent xmlns:mc="http://schemas.openxmlformats.org/markup-compatibility/2006" xmlns:a14="http://schemas.microsoft.com/office/drawing/2010/main">
+        <mc:Choice Requires="a14">
           <p:sp>
             <p:nvSpPr>
               <p:cNvPr id="3" name="내용 개체 틀 2">
@@ -4441,7 +4446,13 @@
                                     <a:rPr lang="en-US" altLang="ko-KR" b="0" i="1" smtClean="0">
                                       <a:latin typeface="Cambria Math" panose="02040503050406030204" pitchFamily="18" charset="0"/>
                                     </a:rPr>
-                                    <m:t>1−</m:t>
+                                    <m:t>1</m:t>
+                                  </m:r>
+                                  <m:r>
+                                    <a:rPr lang="en-US" altLang="ko-KR" b="0" i="1" smtClean="0">
+                                      <a:latin typeface="Cambria Math" panose="02040503050406030204" pitchFamily="18" charset="0"/>
+                                    </a:rPr>
+                                    <m:t>−</m:t>
                                   </m:r>
                                   <m:sSub>
                                     <m:sSubPr>
@@ -5090,7 +5101,7 @@
             </p:txBody>
           </p:sp>
         </mc:Choice>
-        <mc:Fallback>
+        <mc:Fallback xmlns="">
           <p:sp>
             <p:nvSpPr>
               <p:cNvPr id="3" name="내용 개체 틀 2">
@@ -5259,10 +5270,11 @@
                       </m:sub>
                     </m:sSub>
                     <m:r>
-                      <a:rPr lang="en-US" altLang="ko-KR" b="0" i="1" smtClean="0">
+                      <a:rPr lang="en-US" altLang="ko-KR" i="1">
                         <a:latin typeface="Cambria Math" panose="02040503050406030204" pitchFamily="18" charset="0"/>
+                        <a:ea typeface="Cambria Math" panose="02040503050406030204" pitchFamily="18" charset="0"/>
                       </a:rPr>
-                      <m:t>=</m:t>
+                      <m:t>←</m:t>
                     </m:r>
                     <m:sSub>
                       <m:sSubPr>
@@ -5431,10 +5443,11 @@
                       </m:sub>
                     </m:sSub>
                     <m:r>
-                      <a:rPr lang="en-US" altLang="ko-KR" b="0" i="1" smtClean="0">
+                      <a:rPr lang="en-US" altLang="ko-KR" i="1">
                         <a:latin typeface="Cambria Math" panose="02040503050406030204" pitchFamily="18" charset="0"/>
+                        <a:ea typeface="Cambria Math" panose="02040503050406030204" pitchFamily="18" charset="0"/>
                       </a:rPr>
-                      <m:t>=</m:t>
+                      <m:t>←</m:t>
                     </m:r>
                     <m:sSub>
                       <m:sSubPr>
@@ -5680,8 +5693,8 @@
           </a:p>
         </p:txBody>
       </p:sp>
-      <mc:AlternateContent xmlns:mc="http://schemas.openxmlformats.org/markup-compatibility/2006">
-        <mc:Choice xmlns:a14="http://schemas.microsoft.com/office/drawing/2010/main" Requires="a14">
+      <mc:AlternateContent xmlns:mc="http://schemas.openxmlformats.org/markup-compatibility/2006" xmlns:a14="http://schemas.microsoft.com/office/drawing/2010/main">
+        <mc:Choice Requires="a14">
           <p:sp>
             <p:nvSpPr>
               <p:cNvPr id="3" name="내용 개체 틀 2">
@@ -5783,7 +5796,7 @@
             </p:txBody>
           </p:sp>
         </mc:Choice>
-        <mc:Fallback>
+        <mc:Fallback xmlns="">
           <p:sp>
             <p:nvSpPr>
               <p:cNvPr id="3" name="내용 개체 틀 2">
@@ -5889,8 +5902,8 @@
           </a:p>
         </p:txBody>
       </p:sp>
-      <mc:AlternateContent xmlns:mc="http://schemas.openxmlformats.org/markup-compatibility/2006">
-        <mc:Choice xmlns:a14="http://schemas.microsoft.com/office/drawing/2010/main" Requires="a14">
+      <mc:AlternateContent xmlns:mc="http://schemas.openxmlformats.org/markup-compatibility/2006" xmlns:a14="http://schemas.microsoft.com/office/drawing/2010/main">
+        <mc:Choice Requires="a14">
           <p:sp>
             <p:nvSpPr>
               <p:cNvPr id="3" name="내용 개체 틀 2">
@@ -6391,7 +6404,7 @@
             </p:txBody>
           </p:sp>
         </mc:Choice>
-        <mc:Fallback>
+        <mc:Fallback xmlns="">
           <p:sp>
             <p:nvSpPr>
               <p:cNvPr id="3" name="내용 개체 틀 2">
@@ -6677,8 +6690,8 @@
           </a:prstGeom>
         </p:spPr>
       </p:pic>
-      <mc:AlternateContent xmlns:mc="http://schemas.openxmlformats.org/markup-compatibility/2006">
-        <mc:Choice xmlns:a14="http://schemas.microsoft.com/office/drawing/2010/main" Requires="a14">
+      <mc:AlternateContent xmlns:mc="http://schemas.openxmlformats.org/markup-compatibility/2006" xmlns:a14="http://schemas.microsoft.com/office/drawing/2010/main">
+        <mc:Choice Requires="a14">
           <p:graphicFrame>
             <p:nvGraphicFramePr>
               <p:cNvPr id="6" name="표 5">
@@ -7042,7 +7055,7 @@
                                   <a:rPr lang="en-US" altLang="ko-KR" i="1" smtClean="0">
                                     <a:latin typeface="Cambria Math" panose="02040503050406030204" pitchFamily="18" charset="0"/>
                                   </a:rPr>
-                                  <m:t>-0.48</m:t>
+                                  <m:t>−0.48</m:t>
                                 </m:r>
                               </m:oMath>
                             </m:oMathPara>
@@ -7200,7 +7213,7 @@
             </a:graphic>
           </p:graphicFrame>
         </mc:Choice>
-        <mc:Fallback>
+        <mc:Fallback xmlns="">
           <p:graphicFrame>
             <p:nvGraphicFramePr>
               <p:cNvPr id="6" name="표 5">
@@ -7684,7 +7697,7 @@
                             <a:latin typeface="Cambria Math" panose="02040503050406030204" pitchFamily="18" charset="0"/>
                             <a:ea typeface="Cambria Math" panose="02040503050406030204" pitchFamily="18" charset="0"/>
                           </a:rPr>
-                          <m:t>∪</m:t>
+                          <m:t>, </m:t>
                         </m:r>
                         <m:r>
                           <a:rPr lang="en-US" altLang="ko-KR" b="0" i="1" smtClean="0">
@@ -7999,7 +8012,7 @@
                                     <a:rPr lang="en-US" altLang="ko-KR" b="0" i="0" smtClean="0">
                                       <a:latin typeface="Cambria Math" panose="02040503050406030204" pitchFamily="18" charset="0"/>
                                     </a:rPr>
-                                    <m:t>        </m:t>
+                                    <m:t>         </m:t>
                                   </m:r>
                                   <m:r>
                                     <a:rPr lang="en-US" altLang="ko-KR" b="0" i="1" smtClean="0">
@@ -8290,8 +8303,8 @@
             </a:p>
           </p:txBody>
         </p:sp>
-        <mc:AlternateContent xmlns:mc="http://schemas.openxmlformats.org/markup-compatibility/2006">
-          <mc:Choice xmlns:a14="http://schemas.microsoft.com/office/drawing/2010/main" Requires="a14">
+        <mc:AlternateContent xmlns:mc="http://schemas.openxmlformats.org/markup-compatibility/2006" xmlns:a14="http://schemas.microsoft.com/office/drawing/2010/main">
+          <mc:Choice Requires="a14">
             <p:sp>
               <p:nvSpPr>
                 <p:cNvPr id="10" name="TextBox 9">
@@ -8325,6 +8338,7 @@
                 </a:bodyPr>
                 <a:lstStyle/>
                 <a:p>
+                  <a:pPr/>
                   <a14:m>
                     <m:oMathPara xmlns:m="http://schemas.openxmlformats.org/officeDocument/2006/math">
                       <m:oMathParaPr>
@@ -8348,7 +8362,7 @@
               </p:txBody>
             </p:sp>
           </mc:Choice>
-          <mc:Fallback>
+          <mc:Fallback xmlns="">
             <p:sp>
               <p:nvSpPr>
                 <p:cNvPr id="10" name="TextBox 9">
@@ -8675,8 +8689,8 @@
             </a:fontRef>
           </p:style>
         </p:cxnSp>
-        <mc:AlternateContent xmlns:mc="http://schemas.openxmlformats.org/markup-compatibility/2006">
-          <mc:Choice xmlns:a14="http://schemas.microsoft.com/office/drawing/2010/main" Requires="a14">
+        <mc:AlternateContent xmlns:mc="http://schemas.openxmlformats.org/markup-compatibility/2006" xmlns:a14="http://schemas.microsoft.com/office/drawing/2010/main">
+          <mc:Choice Requires="a14">
             <p:sp>
               <p:nvSpPr>
                 <p:cNvPr id="25" name="TextBox 24">
@@ -8705,6 +8719,7 @@
                 </a:bodyPr>
                 <a:lstStyle/>
                 <a:p>
+                  <a:pPr/>
                   <a14:m>
                     <m:oMathPara xmlns:m="http://schemas.openxmlformats.org/officeDocument/2006/math">
                       <m:oMathParaPr>
@@ -8767,7 +8782,7 @@
               </p:txBody>
             </p:sp>
           </mc:Choice>
-          <mc:Fallback>
+          <mc:Fallback xmlns="">
             <p:sp>
               <p:nvSpPr>
                 <p:cNvPr id="25" name="TextBox 24">
@@ -8812,8 +8827,8 @@
             </p:sp>
           </mc:Fallback>
         </mc:AlternateContent>
-        <mc:AlternateContent xmlns:mc="http://schemas.openxmlformats.org/markup-compatibility/2006">
-          <mc:Choice xmlns:a14="http://schemas.microsoft.com/office/drawing/2010/main" Requires="a14">
+        <mc:AlternateContent xmlns:mc="http://schemas.openxmlformats.org/markup-compatibility/2006" xmlns:a14="http://schemas.microsoft.com/office/drawing/2010/main">
+          <mc:Choice Requires="a14">
             <p:sp>
               <p:nvSpPr>
                 <p:cNvPr id="27" name="TextBox 26">
@@ -8842,6 +8857,7 @@
                 </a:bodyPr>
                 <a:lstStyle/>
                 <a:p>
+                  <a:pPr/>
                   <a14:m>
                     <m:oMathPara xmlns:m="http://schemas.openxmlformats.org/officeDocument/2006/math">
                       <m:oMathParaPr>
@@ -8865,7 +8881,7 @@
               </p:txBody>
             </p:sp>
           </mc:Choice>
-          <mc:Fallback>
+          <mc:Fallback xmlns="">
             <p:sp>
               <p:nvSpPr>
                 <p:cNvPr id="27" name="TextBox 26">
@@ -9141,7 +9157,7 @@
                 </a:br>
                 <a:r>
                   <a:rPr lang="en-US" altLang="ko-KR" dirty="0"/>
-                  <a:t>		    </a:t>
+                  <a:t>	        </a:t>
                 </a:r>
                 <a:r>
                   <a:rPr lang="en-US" altLang="ko-KR" dirty="0" err="1"/>
@@ -9243,7 +9259,7 @@
                 </a:br>
                 <a:r>
                   <a:rPr lang="en-US" altLang="ko-KR" dirty="0"/>
-                  <a:t>		    ii. else </a:t>
+                  <a:t>	        ii. else </a:t>
                 </a:r>
                 <a14:m>
                   <m:oMath xmlns:m="http://schemas.openxmlformats.org/officeDocument/2006/math">
@@ -9273,10 +9289,11 @@
                       </m:sub>
                     </m:sSub>
                     <m:r>
-                      <a:rPr lang="en-US" altLang="ko-KR" b="0" i="1" smtClean="0">
+                      <a:rPr lang="en-US" altLang="ko-KR" i="1">
                         <a:latin typeface="Cambria Math" panose="02040503050406030204" pitchFamily="18" charset="0"/>
+                        <a:ea typeface="Cambria Math" panose="02040503050406030204" pitchFamily="18" charset="0"/>
                       </a:rPr>
-                      <m:t>=</m:t>
+                      <m:t>←</m:t>
                     </m:r>
                     <m:sSub>
                       <m:sSubPr>
@@ -9393,14 +9410,14 @@
                         </m:d>
                       </m:e>
                     </m:d>
-                    <m:sSub>
-                      <m:sSubPr>
+                    <m:sSubSup>
+                      <m:sSubSupPr>
                         <m:ctrlPr>
                           <a:rPr lang="en-US" altLang="ko-KR" b="0" i="1" smtClean="0">
                             <a:latin typeface="Cambria Math" panose="02040503050406030204" pitchFamily="18" charset="0"/>
                           </a:rPr>
                         </m:ctrlPr>
-                      </m:sSubPr>
+                      </m:sSubSupPr>
                       <m:e>
                         <m:r>
                           <a:rPr lang="en-US" altLang="ko-KR" b="0" i="1" smtClean="0">
@@ -9417,7 +9434,15 @@
                           <m:t>𝑖</m:t>
                         </m:r>
                       </m:sub>
-                    </m:sSub>
+                      <m:sup>
+                        <m:r>
+                          <a:rPr lang="en-US" altLang="ko-KR" b="0" i="1" smtClean="0">
+                            <a:latin typeface="Cambria Math" panose="02040503050406030204" pitchFamily="18" charset="0"/>
+                          </a:rPr>
+                          <m:t>𝑘</m:t>
+                        </m:r>
+                      </m:sup>
+                    </m:sSubSup>
                   </m:oMath>
                 </a14:m>
                 <a:endParaRPr lang="en-US" altLang="ko-KR" dirty="0"/>
@@ -9753,8 +9778,8 @@
             </a:p>
           </p:txBody>
         </p:sp>
-        <mc:AlternateContent xmlns:mc="http://schemas.openxmlformats.org/markup-compatibility/2006">
-          <mc:Choice xmlns:a14="http://schemas.microsoft.com/office/drawing/2010/main" Requires="a14">
+        <mc:AlternateContent xmlns:mc="http://schemas.openxmlformats.org/markup-compatibility/2006" xmlns:a14="http://schemas.microsoft.com/office/drawing/2010/main">
+          <mc:Choice Requires="a14">
             <p:sp>
               <p:nvSpPr>
                 <p:cNvPr id="57" name="TextBox 56">
@@ -9793,6 +9818,7 @@
                   </a:endParaRPr>
                 </a:p>
                 <a:p>
+                  <a:pPr/>
                   <a14:m>
                     <m:oMathPara xmlns:m="http://schemas.openxmlformats.org/officeDocument/2006/math">
                       <m:oMathParaPr>
@@ -9819,7 +9845,7 @@
               </p:txBody>
             </p:sp>
           </mc:Choice>
-          <mc:Fallback>
+          <mc:Fallback xmlns="">
             <p:sp>
               <p:nvSpPr>
                 <p:cNvPr id="57" name="TextBox 56">
@@ -10192,8 +10218,8 @@
             </a:p>
           </p:txBody>
         </p:sp>
-        <mc:AlternateContent xmlns:mc="http://schemas.openxmlformats.org/markup-compatibility/2006">
-          <mc:Choice xmlns:a14="http://schemas.microsoft.com/office/drawing/2010/main" Requires="a14">
+        <mc:AlternateContent xmlns:mc="http://schemas.openxmlformats.org/markup-compatibility/2006" xmlns:a14="http://schemas.microsoft.com/office/drawing/2010/main">
+          <mc:Choice Requires="a14">
             <p:sp>
               <p:nvSpPr>
                 <p:cNvPr id="10" name="TextBox 9">
@@ -10227,6 +10253,7 @@
                 </a:bodyPr>
                 <a:lstStyle/>
                 <a:p>
+                  <a:pPr/>
                   <a14:m>
                     <m:oMathPara xmlns:m="http://schemas.openxmlformats.org/officeDocument/2006/math">
                       <m:oMathParaPr>
@@ -10250,7 +10277,7 @@
               </p:txBody>
             </p:sp>
           </mc:Choice>
-          <mc:Fallback>
+          <mc:Fallback xmlns="">
             <p:sp>
               <p:nvSpPr>
                 <p:cNvPr id="10" name="TextBox 9">
@@ -10576,8 +10603,8 @@
             </a:fontRef>
           </p:style>
         </p:cxnSp>
-        <mc:AlternateContent xmlns:mc="http://schemas.openxmlformats.org/markup-compatibility/2006">
-          <mc:Choice xmlns:a14="http://schemas.microsoft.com/office/drawing/2010/main" Requires="a14">
+        <mc:AlternateContent xmlns:mc="http://schemas.openxmlformats.org/markup-compatibility/2006" xmlns:a14="http://schemas.microsoft.com/office/drawing/2010/main">
+          <mc:Choice Requires="a14">
             <p:sp>
               <p:nvSpPr>
                 <p:cNvPr id="18" name="TextBox 17">
@@ -10606,6 +10633,7 @@
                 </a:bodyPr>
                 <a:lstStyle/>
                 <a:p>
+                  <a:pPr/>
                   <a14:m>
                     <m:oMathPara xmlns:m="http://schemas.openxmlformats.org/officeDocument/2006/math">
                       <m:oMathParaPr>
@@ -10629,7 +10657,7 @@
               </p:txBody>
             </p:sp>
           </mc:Choice>
-          <mc:Fallback>
+          <mc:Fallback xmlns="">
             <p:sp>
               <p:nvSpPr>
                 <p:cNvPr id="18" name="TextBox 17">
@@ -10674,8 +10702,8 @@
             </p:sp>
           </mc:Fallback>
         </mc:AlternateContent>
-        <mc:AlternateContent xmlns:mc="http://schemas.openxmlformats.org/markup-compatibility/2006">
-          <mc:Choice xmlns:a14="http://schemas.microsoft.com/office/drawing/2010/main" Requires="a14">
+        <mc:AlternateContent xmlns:mc="http://schemas.openxmlformats.org/markup-compatibility/2006" xmlns:a14="http://schemas.microsoft.com/office/drawing/2010/main">
+          <mc:Choice Requires="a14">
             <p:sp>
               <p:nvSpPr>
                 <p:cNvPr id="19" name="TextBox 18">
@@ -10709,6 +10737,7 @@
                 </a:bodyPr>
                 <a:lstStyle/>
                 <a:p>
+                  <a:pPr/>
                   <a14:m>
                     <m:oMathPara xmlns:m="http://schemas.openxmlformats.org/officeDocument/2006/math">
                       <m:oMathParaPr>
@@ -10732,7 +10761,7 @@
               </p:txBody>
             </p:sp>
           </mc:Choice>
-          <mc:Fallback>
+          <mc:Fallback xmlns="">
             <p:sp>
               <p:nvSpPr>
                 <p:cNvPr id="19" name="TextBox 18">
@@ -11057,8 +11086,8 @@
             </a:fontRef>
           </p:style>
         </p:cxnSp>
-        <mc:AlternateContent xmlns:mc="http://schemas.openxmlformats.org/markup-compatibility/2006">
-          <mc:Choice xmlns:a14="http://schemas.microsoft.com/office/drawing/2010/main" Requires="a14">
+        <mc:AlternateContent xmlns:mc="http://schemas.openxmlformats.org/markup-compatibility/2006" xmlns:a14="http://schemas.microsoft.com/office/drawing/2010/main">
+          <mc:Choice Requires="a14">
             <p:sp>
               <p:nvSpPr>
                 <p:cNvPr id="78" name="TextBox 77">
@@ -11092,6 +11121,7 @@
                 </a:bodyPr>
                 <a:lstStyle/>
                 <a:p>
+                  <a:pPr/>
                   <a14:m>
                     <m:oMathPara xmlns:m="http://schemas.openxmlformats.org/officeDocument/2006/math">
                       <m:oMathParaPr>
@@ -11115,7 +11145,7 @@
               </p:txBody>
             </p:sp>
           </mc:Choice>
-          <mc:Fallback>
+          <mc:Fallback xmlns="">
             <p:sp>
               <p:nvSpPr>
                 <p:cNvPr id="78" name="TextBox 77">
@@ -11599,8 +11629,8 @@
           </a:p>
         </p:txBody>
       </p:sp>
-      <mc:AlternateContent xmlns:mc="http://schemas.openxmlformats.org/markup-compatibility/2006">
-        <mc:Choice xmlns:a14="http://schemas.microsoft.com/office/drawing/2010/main" Requires="a14">
+      <mc:AlternateContent xmlns:mc="http://schemas.openxmlformats.org/markup-compatibility/2006" xmlns:a14="http://schemas.microsoft.com/office/drawing/2010/main">
+        <mc:Choice Requires="a14">
           <p:sp>
             <p:nvSpPr>
               <p:cNvPr id="3" name="내용 개체 틀 2">
@@ -12163,7 +12193,7 @@
             </p:txBody>
           </p:sp>
         </mc:Choice>
-        <mc:Fallback>
+        <mc:Fallback xmlns="">
           <p:sp>
             <p:nvSpPr>
               <p:cNvPr id="3" name="내용 개체 틀 2">
@@ -12262,8 +12292,8 @@
           </a:p>
         </p:txBody>
       </p:sp>
-      <mc:AlternateContent xmlns:mc="http://schemas.openxmlformats.org/markup-compatibility/2006">
-        <mc:Choice xmlns:a14="http://schemas.microsoft.com/office/drawing/2010/main" Requires="a14">
+      <mc:AlternateContent xmlns:mc="http://schemas.openxmlformats.org/markup-compatibility/2006" xmlns:a14="http://schemas.microsoft.com/office/drawing/2010/main">
+        <mc:Choice Requires="a14">
           <p:sp>
             <p:nvSpPr>
               <p:cNvPr id="3" name="내용 개체 틀 2">
@@ -12445,7 +12475,7 @@
             </p:txBody>
           </p:sp>
         </mc:Choice>
-        <mc:Fallback>
+        <mc:Fallback xmlns="">
           <p:sp>
             <p:nvSpPr>
               <p:cNvPr id="3" name="내용 개체 틀 2">
@@ -12544,8 +12574,8 @@
           </a:p>
         </p:txBody>
       </p:sp>
-      <mc:AlternateContent xmlns:mc="http://schemas.openxmlformats.org/markup-compatibility/2006">
-        <mc:Choice xmlns:a14="http://schemas.microsoft.com/office/drawing/2010/main" Requires="a14">
+      <mc:AlternateContent xmlns:mc="http://schemas.openxmlformats.org/markup-compatibility/2006" xmlns:a14="http://schemas.microsoft.com/office/drawing/2010/main">
+        <mc:Choice Requires="a14">
           <p:sp>
             <p:nvSpPr>
               <p:cNvPr id="3" name="내용 개체 틀 2">
@@ -12816,7 +12846,7 @@
             </p:txBody>
           </p:sp>
         </mc:Choice>
-        <mc:Fallback>
+        <mc:Fallback xmlns="">
           <p:sp>
             <p:nvSpPr>
               <p:cNvPr id="3" name="내용 개체 틀 2">
